--- a/Computação quântica atualizado (1).pptx
+++ b/Computação quântica atualizado (1).pptx
@@ -6110,8 +6110,13 @@
           <a:p>
             <a:r>
               <a:rPr lang="pt-BR" dirty="0"/>
-              <a:t>Lucas Santana da Paz 12121650</a:t>
-            </a:r>
+              <a:t>Lucas Santana da </a:t>
+            </a:r>
+            <a:r>
+              <a:rPr lang="pt-BR"/>
+              <a:t>Paz 12121605</a:t>
+            </a:r>
+            <a:endParaRPr lang="pt-BR" dirty="0"/>
           </a:p>
           <a:p>
             <a:endParaRPr lang="pt-BR" dirty="0"/>
@@ -7425,14 +7430,6 @@
 </file>
 
 <file path=customXml/item1.xml><?xml version="1.0" encoding="utf-8"?>
-<p:properties xmlns:p="http://schemas.microsoft.com/office/2006/metadata/properties" xmlns:xsi="http://www.w3.org/2001/XMLSchema-instance" xmlns:pc="http://schemas.microsoft.com/office/infopath/2007/PartnerControls">
-  <documentManagement>
-    <_activity xmlns="06a1738d-868c-4e77-a8da-987a59546958" xsi:nil="true"/>
-  </documentManagement>
-</p:properties>
-</file>
-
-<file path=customXml/item2.xml><?xml version="1.0" encoding="utf-8"?>
 <ct:contentTypeSchema xmlns:ct="http://schemas.microsoft.com/office/2006/metadata/contentType" xmlns:ma="http://schemas.microsoft.com/office/2006/metadata/properties/metaAttributes" ct:_="" ma:_="" ma:contentTypeName="Documento" ma:contentTypeID="0x01010067F96F43A3D19049BD7F845A72EF4C61" ma:contentTypeVersion="8" ma:contentTypeDescription="Crie um novo documento." ma:contentTypeScope="" ma:versionID="4b4e82a82f57a0844cf8f8bc61443710">
   <xsd:schema xmlns:xsd="http://www.w3.org/2001/XMLSchema" xmlns:xs="http://www.w3.org/2001/XMLSchema" xmlns:p="http://schemas.microsoft.com/office/2006/metadata/properties" xmlns:ns3="06a1738d-868c-4e77-a8da-987a59546958" xmlns:ns4="a6eea7eb-df05-4bed-97dc-1799baee4add" targetNamespace="http://schemas.microsoft.com/office/2006/metadata/properties" ma:root="true" ma:fieldsID="7a04c659df130ae04d2bd684319bfcd5" ns3:_="" ns4:_="">
     <xsd:import namespace="06a1738d-868c-4e77-a8da-987a59546958"/>
@@ -7621,6 +7618,14 @@
 </ct:contentTypeSchema>
 </file>
 
+<file path=customXml/item2.xml><?xml version="1.0" encoding="utf-8"?>
+<p:properties xmlns:p="http://schemas.microsoft.com/office/2006/metadata/properties" xmlns:xsi="http://www.w3.org/2001/XMLSchema-instance" xmlns:pc="http://schemas.microsoft.com/office/infopath/2007/PartnerControls">
+  <documentManagement>
+    <_activity xmlns="06a1738d-868c-4e77-a8da-987a59546958" xsi:nil="true"/>
+  </documentManagement>
+</p:properties>
+</file>
+
 <file path=customXml/item3.xml><?xml version="1.0" encoding="utf-8"?>
 <?mso-contentType ?>
 <FormTemplates xmlns="http://schemas.microsoft.com/sharepoint/v3/contenttype/forms">
@@ -7631,23 +7636,6 @@
 </file>
 
 <file path=customXml/itemProps1.xml><?xml version="1.0" encoding="utf-8"?>
-<ds:datastoreItem xmlns:ds="http://schemas.openxmlformats.org/officeDocument/2006/customXml" ds:itemID="{0E01039A-AE7C-4015-A93B-A5C2BD74552C}">
-  <ds:schemaRefs>
-    <ds:schemaRef ds:uri="06a1738d-868c-4e77-a8da-987a59546958"/>
-    <ds:schemaRef ds:uri="a6eea7eb-df05-4bed-97dc-1799baee4add"/>
-    <ds:schemaRef ds:uri="http://purl.org/dc/dcmitype/"/>
-    <ds:schemaRef ds:uri="http://purl.org/dc/elements/1.1/"/>
-    <ds:schemaRef ds:uri="http://purl.org/dc/terms/"/>
-    <ds:schemaRef ds:uri="http://schemas.microsoft.com/office/2006/documentManagement/types"/>
-    <ds:schemaRef ds:uri="http://schemas.microsoft.com/office/2006/metadata/properties"/>
-    <ds:schemaRef ds:uri="http://schemas.microsoft.com/office/infopath/2007/PartnerControls"/>
-    <ds:schemaRef ds:uri="http://schemas.openxmlformats.org/package/2006/metadata/core-properties"/>
-    <ds:schemaRef ds:uri="http://www.w3.org/XML/1998/namespace"/>
-  </ds:schemaRefs>
-</ds:datastoreItem>
-</file>
-
-<file path=customXml/itemProps2.xml><?xml version="1.0" encoding="utf-8"?>
 <ds:datastoreItem xmlns:ds="http://schemas.openxmlformats.org/officeDocument/2006/customXml" ds:itemID="{7A2DC874-D256-4CEA-915B-92A16CD4257C}">
   <ds:schemaRefs>
     <ds:schemaRef ds:uri="06a1738d-868c-4e77-a8da-987a59546958"/>
@@ -7666,6 +7654,23 @@
 </ds:datastoreItem>
 </file>
 
+<file path=customXml/itemProps2.xml><?xml version="1.0" encoding="utf-8"?>
+<ds:datastoreItem xmlns:ds="http://schemas.openxmlformats.org/officeDocument/2006/customXml" ds:itemID="{0E01039A-AE7C-4015-A93B-A5C2BD74552C}">
+  <ds:schemaRefs>
+    <ds:schemaRef ds:uri="06a1738d-868c-4e77-a8da-987a59546958"/>
+    <ds:schemaRef ds:uri="a6eea7eb-df05-4bed-97dc-1799baee4add"/>
+    <ds:schemaRef ds:uri="http://purl.org/dc/dcmitype/"/>
+    <ds:schemaRef ds:uri="http://purl.org/dc/elements/1.1/"/>
+    <ds:schemaRef ds:uri="http://purl.org/dc/terms/"/>
+    <ds:schemaRef ds:uri="http://schemas.microsoft.com/office/2006/documentManagement/types"/>
+    <ds:schemaRef ds:uri="http://schemas.microsoft.com/office/2006/metadata/properties"/>
+    <ds:schemaRef ds:uri="http://schemas.microsoft.com/office/infopath/2007/PartnerControls"/>
+    <ds:schemaRef ds:uri="http://schemas.openxmlformats.org/package/2006/metadata/core-properties"/>
+    <ds:schemaRef ds:uri="http://www.w3.org/XML/1998/namespace"/>
+  </ds:schemaRefs>
+</ds:datastoreItem>
+</file>
+
 <file path=customXml/itemProps3.xml><?xml version="1.0" encoding="utf-8"?>
 <ds:datastoreItem xmlns:ds="http://schemas.openxmlformats.org/officeDocument/2006/customXml" ds:itemID="{D1BE3541-D7A3-491E-9F51-00EAE2E81BD5}">
   <ds:schemaRefs>
